--- a/Presentacion.pptx
+++ b/Presentacion.pptx
@@ -110,6 +110,11 @@
       </a:defRPr>
     </a:lvl9pPr>
   </p:defaultTextStyle>
+  <p:extLst>
+    <p:ext uri="{EFAFB233-063F-42B5-8137-9DF3F51BA10A}">
+      <p15:sldGuideLst xmlns:p15="http://schemas.microsoft.com/office/powerpoint/2012/main"/>
+    </p:ext>
+  </p:extLst>
 </p:presentation>
 </file>
 
@@ -3888,7 +3893,15 @@
             </a:r>
             <a:r>
               <a:rPr lang="pt-BR" dirty="0"/>
-              <a:t> sangre galega :-</a:t>
+              <a:t> sangre </a:t>
+            </a:r>
+            <a:r>
+              <a:rPr lang="pt-BR" dirty="0" err="1"/>
+              <a:t>gallega</a:t>
+            </a:r>
+            <a:r>
+              <a:rPr lang="pt-BR" dirty="0"/>
+              <a:t> :-</a:t>
             </a:r>
             <a:r>
               <a:rPr lang="pt-BR" dirty="0" err="1"/>
@@ -3896,13 +3909,21 @@
             </a:r>
             <a:r>
               <a:rPr lang="pt-BR" dirty="0"/>
-              <a:t> )</a:t>
-            </a:r>
-          </a:p>
-          <a:p>
-            <a:r>
-              <a:rPr lang="pt-BR" dirty="0"/>
-              <a:t>Padre de Laura (6) </a:t>
+              <a:t> );</a:t>
+            </a:r>
+          </a:p>
+          <a:p>
+            <a:r>
+              <a:rPr lang="pt-BR" dirty="0"/>
+              <a:t>Padre de </a:t>
+            </a:r>
+            <a:r>
+              <a:rPr lang="pt-BR" dirty="0" err="1"/>
+              <a:t>la</a:t>
+            </a:r>
+            <a:r>
+              <a:rPr lang="pt-BR" dirty="0"/>
+              <a:t> Laura (6) </a:t>
             </a:r>
             <a:r>
               <a:rPr lang="pt-BR" dirty="0" err="1"/>
@@ -3910,6 +3931,14 @@
             </a:r>
             <a:r>
               <a:rPr lang="pt-BR" dirty="0"/>
+              <a:t> </a:t>
+            </a:r>
+            <a:r>
+              <a:rPr lang="pt-BR" dirty="0" err="1"/>
+              <a:t>del</a:t>
+            </a:r>
+            <a:r>
+              <a:rPr lang="pt-BR" dirty="0"/>
               <a:t> Alexandre (“The </a:t>
             </a:r>
             <a:r>
@@ -3918,7 +3947,7 @@
             </a:r>
             <a:r>
               <a:rPr lang="pt-BR" dirty="0"/>
-              <a:t>” )(2)</a:t>
+              <a:t>” )(2);</a:t>
             </a:r>
           </a:p>
           <a:p>
@@ -3972,13 +4001,17 @@
             </a:r>
             <a:r>
               <a:rPr lang="pt-BR" dirty="0"/>
-              <a:t> Laboral)</a:t>
-            </a:r>
-          </a:p>
-          <a:p>
-            <a:r>
-              <a:rPr lang="pt-BR" dirty="0"/>
-              <a:t>Experiências compartidas </a:t>
+              <a:t> Laboral);</a:t>
+            </a:r>
+          </a:p>
+          <a:p>
+            <a:r>
+              <a:rPr lang="pt-BR" dirty="0" err="1"/>
+              <a:t>Experiencias</a:t>
+            </a:r>
+            <a:r>
+              <a:rPr lang="pt-BR" dirty="0"/>
+              <a:t> compartidas </a:t>
             </a:r>
             <a:r>
               <a:rPr lang="pt-BR" dirty="0" err="1"/>
@@ -3986,13 +4019,13 @@
             </a:r>
             <a:r>
               <a:rPr lang="pt-BR" dirty="0"/>
-              <a:t> ambas </a:t>
-            </a:r>
-          </a:p>
-          <a:p>
-            <a:r>
-              <a:rPr lang="pt-BR" dirty="0"/>
-              <a:t>Aplicar </a:t>
+              <a:t> ambas áreas; </a:t>
+            </a:r>
+          </a:p>
+          <a:p>
+            <a:r>
+              <a:rPr lang="pt-BR" dirty="0"/>
+              <a:t>Objetivo de aplicar </a:t>
             </a:r>
             <a:r>
               <a:rPr lang="pt-BR" dirty="0" err="1"/>
@@ -4000,7 +4033,15 @@
             </a:r>
             <a:r>
               <a:rPr lang="pt-BR" dirty="0"/>
-              <a:t> em </a:t>
+              <a:t> </a:t>
+            </a:r>
+            <a:r>
+              <a:rPr lang="pt-BR" dirty="0" err="1"/>
+              <a:t>en</a:t>
+            </a:r>
+            <a:r>
+              <a:rPr lang="pt-BR" dirty="0"/>
+              <a:t> </a:t>
             </a:r>
             <a:r>
               <a:rPr lang="pt-BR" dirty="0" err="1"/>
@@ -4016,7 +4057,7 @@
             </a:r>
             <a:r>
               <a:rPr lang="pt-BR" dirty="0"/>
-              <a:t>/Data Science</a:t>
+              <a:t>/Data Science;</a:t>
             </a:r>
           </a:p>
           <a:p>
@@ -4063,6 +4104,9 @@
             <a:endParaRPr lang="pt-BR" dirty="0"/>
           </a:p>
           <a:p>
+            <a:pPr marL="0" indent="0">
+              <a:buNone/>
+            </a:pPr>
             <a:endParaRPr lang="pt-BR" dirty="0"/>
           </a:p>
         </p:txBody>
@@ -4089,8 +4133,8 @@
         </p:blipFill>
         <p:spPr>
           <a:xfrm>
-            <a:off x="3966518" y="4198212"/>
-            <a:ext cx="1830403" cy="1830403"/>
+            <a:off x="4171341" y="4442791"/>
+            <a:ext cx="1585824" cy="1585824"/>
           </a:xfrm>
           <a:prstGeom prst="rect">
             <a:avLst/>
@@ -4238,7 +4282,23 @@
             </a:r>
             <a:r>
               <a:rPr lang="pt-BR" dirty="0"/>
-              <a:t> de uma página web responsiva utilizando tecnologia HTML, CSS </a:t>
+              <a:t> de </a:t>
+            </a:r>
+            <a:r>
+              <a:rPr lang="es-ES_tradnl" dirty="0"/>
+              <a:t>una</a:t>
+            </a:r>
+            <a:r>
+              <a:rPr lang="pt-BR" dirty="0"/>
+              <a:t> página web responsiva utilizando </a:t>
+            </a:r>
+            <a:r>
+              <a:rPr lang="pt-BR" dirty="0" err="1"/>
+              <a:t>tecnología</a:t>
+            </a:r>
+            <a:r>
+              <a:rPr lang="pt-BR" dirty="0"/>
+              <a:t> HTML, CSS </a:t>
             </a:r>
             <a:r>
               <a:rPr lang="pt-BR" dirty="0" err="1"/>
@@ -4262,7 +4322,15 @@
             </a:r>
             <a:r>
               <a:rPr lang="pt-BR" dirty="0"/>
-              <a:t> modelo de design baseado </a:t>
+              <a:t> modelo de design </a:t>
+            </a:r>
+            <a:r>
+              <a:rPr lang="pt-BR" dirty="0" err="1"/>
+              <a:t>basado</a:t>
+            </a:r>
+            <a:r>
+              <a:rPr lang="pt-BR" dirty="0"/>
+              <a:t> </a:t>
             </a:r>
             <a:r>
               <a:rPr lang="pt-BR" dirty="0" err="1"/>
@@ -4291,7 +4359,7 @@
             </a:r>
             <a:r>
               <a:rPr lang="pt-BR" dirty="0" err="1"/>
-              <a:t>posé</a:t>
+              <a:t>posee</a:t>
             </a:r>
             <a:r>
               <a:rPr lang="pt-BR" dirty="0"/>
@@ -4303,7 +4371,15 @@
             </a:r>
             <a:r>
               <a:rPr lang="pt-BR" dirty="0"/>
-              <a:t> dinâmico </a:t>
+              <a:t> </a:t>
+            </a:r>
+            <a:r>
+              <a:rPr lang="pt-BR" dirty="0" err="1"/>
+              <a:t>dinámico</a:t>
+            </a:r>
+            <a:r>
+              <a:rPr lang="pt-BR" dirty="0"/>
+              <a:t> </a:t>
             </a:r>
             <a:r>
               <a:rPr lang="pt-BR" dirty="0" err="1"/>
@@ -4311,7 +4387,23 @@
             </a:r>
             <a:r>
               <a:rPr lang="pt-BR" dirty="0"/>
-              <a:t> responsivo, permitindo </a:t>
+              <a:t> responsivo, </a:t>
+            </a:r>
+            <a:r>
+              <a:rPr lang="pt-BR" dirty="0" err="1"/>
+              <a:t>permitiendo</a:t>
+            </a:r>
+            <a:r>
+              <a:rPr lang="pt-BR" dirty="0"/>
+              <a:t> </a:t>
+            </a:r>
+            <a:r>
+              <a:rPr lang="pt-BR" dirty="0" err="1"/>
+              <a:t>la</a:t>
+            </a:r>
+            <a:r>
+              <a:rPr lang="pt-BR" dirty="0"/>
+              <a:t> </a:t>
             </a:r>
             <a:r>
               <a:rPr lang="pt-BR" dirty="0" err="1"/>
@@ -4355,7 +4447,7 @@
             </a:r>
             <a:r>
               <a:rPr lang="pt-BR" dirty="0" err="1"/>
-              <a:t>multiples</a:t>
+              <a:t>múltiples</a:t>
             </a:r>
             <a:r>
               <a:rPr lang="pt-BR" dirty="0"/>
@@ -4363,17 +4455,21 @@
             </a:r>
             <a:r>
               <a:rPr lang="pt-BR" dirty="0" err="1"/>
-              <a:t>portábiles</a:t>
-            </a:r>
-            <a:r>
-              <a:rPr lang="pt-BR" dirty="0"/>
-              <a:t> </a:t>
-            </a:r>
-          </a:p>
-          <a:p>
+              <a:t>portables</a:t>
+            </a:r>
+            <a:r>
+              <a:rPr lang="pt-BR" dirty="0"/>
+              <a:t>.</a:t>
+            </a:r>
+          </a:p>
+          <a:p>
+            <a:r>
+              <a:rPr lang="pt-BR" b="1" dirty="0"/>
+              <a:t>Por </a:t>
+            </a:r>
             <a:r>
               <a:rPr lang="pt-BR" b="1" dirty="0" err="1"/>
-              <a:t>Porqué</a:t>
+              <a:t>qué</a:t>
             </a:r>
             <a:r>
               <a:rPr lang="pt-BR" b="1" dirty="0"/>
@@ -4436,7 +4532,7 @@
             </a:r>
             <a:r>
               <a:rPr lang="pt-BR" dirty="0"/>
-              <a:t> SOC)</a:t>
+              <a:t> SOC).</a:t>
             </a:r>
           </a:p>
           <a:p>
@@ -4477,7 +4573,10 @@
               <a:rPr lang="pt-BR" dirty="0" err="1"/>
               <a:t>enseñados</a:t>
             </a:r>
-            <a:endParaRPr lang="pt-BR" dirty="0"/>
+            <a:r>
+              <a:rPr lang="pt-BR" dirty="0"/>
+              <a:t>.</a:t>
+            </a:r>
           </a:p>
         </p:txBody>
       </p:sp>
@@ -4697,7 +4796,15 @@
             </a:r>
             <a:r>
               <a:rPr lang="pt-BR" dirty="0"/>
-              <a:t> comportamento </a:t>
+              <a:t> </a:t>
+            </a:r>
+            <a:r>
+              <a:rPr lang="pt-BR" dirty="0" err="1"/>
+              <a:t>comportamiento</a:t>
+            </a:r>
+            <a:r>
+              <a:rPr lang="pt-BR" dirty="0"/>
+              <a:t> </a:t>
             </a:r>
             <a:r>
               <a:rPr lang="pt-BR" dirty="0" err="1"/>
@@ -4770,7 +4877,7 @@
             <a:pPr lvl="1"/>
             <a:r>
               <a:rPr lang="pt-BR" dirty="0"/>
-              <a:t>Divide </a:t>
+              <a:t>“Divide </a:t>
             </a:r>
             <a:r>
               <a:rPr lang="pt-BR" dirty="0" err="1"/>
@@ -4786,7 +4893,7 @@
             </a:r>
             <a:r>
               <a:rPr lang="pt-BR" dirty="0"/>
-              <a:t>  (”Divide et impera”): realizar </a:t>
+              <a:t>”  (”Divide et impera”): realizar </a:t>
             </a:r>
             <a:r>
               <a:rPr lang="pt-BR" dirty="0" err="1"/>
@@ -4892,33 +4999,25 @@
             </a:r>
             <a:r>
               <a:rPr lang="pt-BR" dirty="0"/>
+              <a:t> internet;</a:t>
+            </a:r>
+          </a:p>
+          <a:p>
+            <a:pPr lvl="1"/>
+            <a:r>
+              <a:rPr lang="pt-BR" dirty="0"/>
+              <a:t>(... </a:t>
+            </a:r>
+            <a:r>
+              <a:rPr lang="pt-BR" dirty="0" err="1"/>
+              <a:t>Y</a:t>
+            </a:r>
+            <a:r>
+              <a:rPr lang="pt-BR" dirty="0"/>
               <a:t> </a:t>
             </a:r>
             <a:r>
               <a:rPr lang="pt-BR" dirty="0" err="1"/>
-              <a:t>interet</a:t>
-            </a:r>
-            <a:r>
-              <a:rPr lang="pt-BR" dirty="0"/>
-              <a:t>;</a:t>
-            </a:r>
-          </a:p>
-          <a:p>
-            <a:pPr lvl="1"/>
-            <a:r>
-              <a:rPr lang="pt-BR" dirty="0"/>
-              <a:t>... </a:t>
-            </a:r>
-            <a:r>
-              <a:rPr lang="pt-BR" dirty="0" err="1"/>
-              <a:t>Y</a:t>
-            </a:r>
-            <a:r>
-              <a:rPr lang="pt-BR" dirty="0"/>
-              <a:t> </a:t>
-            </a:r>
-            <a:r>
-              <a:rPr lang="pt-BR" dirty="0" err="1"/>
               <a:t>aún</a:t>
             </a:r>
             <a:r>
@@ -4931,7 +5030,7 @@
             </a:r>
             <a:r>
               <a:rPr lang="pt-BR" dirty="0"/>
-              <a:t>...</a:t>
+              <a:t>...)</a:t>
             </a:r>
           </a:p>
         </p:txBody>
@@ -5050,15 +5149,7 @@
             <a:pPr lvl="1"/>
             <a:r>
               <a:rPr lang="pt-BR" dirty="0"/>
-              <a:t>Dedicar tempo demasiado </a:t>
-            </a:r>
-            <a:r>
-              <a:rPr lang="pt-BR" dirty="0" err="1"/>
-              <a:t>con</a:t>
-            </a:r>
-            <a:r>
-              <a:rPr lang="pt-BR" dirty="0"/>
-              <a:t> </a:t>
+              <a:t>Dedicar tempo demasiado a </a:t>
             </a:r>
             <a:r>
               <a:rPr lang="pt-BR" dirty="0" err="1"/>
@@ -5089,7 +5180,7 @@
             </a:r>
             <a:r>
               <a:rPr lang="pt-BR" dirty="0" err="1"/>
-              <a:t>imagenes</a:t>
+              <a:t>imágenes</a:t>
             </a:r>
             <a:r>
               <a:rPr lang="pt-BR" dirty="0"/>
@@ -5118,11 +5209,11 @@
             </a:r>
             <a:r>
               <a:rPr lang="pt-BR" dirty="0" err="1"/>
-              <a:t>además</a:t>
-            </a:r>
-            <a:r>
-              <a:rPr lang="pt-BR" dirty="0"/>
-              <a:t> de una sola parte</a:t>
+              <a:t>en</a:t>
+            </a:r>
+            <a:r>
+              <a:rPr lang="pt-BR" dirty="0"/>
+              <a:t> lugar de una sola parte.</a:t>
             </a:r>
           </a:p>
         </p:txBody>
@@ -5313,10 +5404,17 @@
           <a:lstStyle/>
           <a:p>
             <a:r>
+              <a:rPr lang="pt-BR" dirty="0"/>
+              <a:t>“</a:t>
+            </a:r>
+            <a:r>
               <a:rPr lang="pt-BR" dirty="0" err="1"/>
               <a:t>Gràcies</a:t>
             </a:r>
-            <a:endParaRPr lang="pt-BR" dirty="0"/>
+            <a:r>
+              <a:rPr lang="pt-BR" dirty="0"/>
+              <a:t>”</a:t>
+            </a:r>
           </a:p>
         </p:txBody>
       </p:sp>
@@ -5439,7 +5537,7 @@
             </a:r>
             <a:r>
               <a:rPr lang="pt-BR" b="1" dirty="0" err="1"/>
-              <a:t>conocimentos</a:t>
+              <a:t>conocimientos</a:t>
             </a:r>
             <a:r>
               <a:rPr lang="pt-BR" b="1" dirty="0"/>
@@ -5451,7 +5549,15 @@
             </a:r>
             <a:r>
               <a:rPr lang="pt-BR" b="1" dirty="0"/>
-              <a:t> experiências.</a:t>
+              <a:t> </a:t>
+            </a:r>
+            <a:r>
+              <a:rPr lang="pt-BR" b="1" dirty="0" err="1"/>
+              <a:t>experiencias</a:t>
+            </a:r>
+            <a:r>
+              <a:rPr lang="pt-BR" b="1" dirty="0"/>
+              <a:t>.</a:t>
             </a:r>
             <a:endParaRPr lang="pt-BR" dirty="0"/>
           </a:p>
